--- a/제작/로고 제작.pptx
+++ b/제작/로고 제작.pptx
@@ -8,6 +8,9 @@
     <p:sldId id="256" r:id="rId2"/>
     <p:sldId id="260" r:id="rId3"/>
     <p:sldId id="261" r:id="rId4"/>
+    <p:sldId id="262" r:id="rId5"/>
+    <p:sldId id="263" r:id="rId6"/>
+    <p:sldId id="264" r:id="rId7"/>
   </p:sldIdLst>
   <p:sldSz cx="9144000" cy="6858000" type="screen4x3"/>
   <p:notesSz cx="6858000" cy="9144000"/>
@@ -304,7 +307,7 @@
           <a:p>
             <a:fld id="{5E89329E-BE11-4AEF-90E2-A0329AC9D4C4}" type="datetimeFigureOut">
               <a:rPr lang="ko-KR" altLang="en-US" smtClean="0"/>
-              <a:t>2023-03-28</a:t>
+              <a:t>2023-03-29</a:t>
             </a:fld>
             <a:endParaRPr lang="ko-KR" altLang="en-US"/>
           </a:p>
@@ -472,7 +475,7 @@
           <a:p>
             <a:fld id="{5E89329E-BE11-4AEF-90E2-A0329AC9D4C4}" type="datetimeFigureOut">
               <a:rPr lang="ko-KR" altLang="en-US" smtClean="0"/>
-              <a:t>2023-03-28</a:t>
+              <a:t>2023-03-29</a:t>
             </a:fld>
             <a:endParaRPr lang="ko-KR" altLang="en-US"/>
           </a:p>
@@ -650,7 +653,7 @@
           <a:p>
             <a:fld id="{5E89329E-BE11-4AEF-90E2-A0329AC9D4C4}" type="datetimeFigureOut">
               <a:rPr lang="ko-KR" altLang="en-US" smtClean="0"/>
-              <a:t>2023-03-28</a:t>
+              <a:t>2023-03-29</a:t>
             </a:fld>
             <a:endParaRPr lang="ko-KR" altLang="en-US"/>
           </a:p>
@@ -818,7 +821,7 @@
           <a:p>
             <a:fld id="{5E89329E-BE11-4AEF-90E2-A0329AC9D4C4}" type="datetimeFigureOut">
               <a:rPr lang="ko-KR" altLang="en-US" smtClean="0"/>
-              <a:t>2023-03-28</a:t>
+              <a:t>2023-03-29</a:t>
             </a:fld>
             <a:endParaRPr lang="ko-KR" altLang="en-US"/>
           </a:p>
@@ -1063,7 +1066,7 @@
           <a:p>
             <a:fld id="{5E89329E-BE11-4AEF-90E2-A0329AC9D4C4}" type="datetimeFigureOut">
               <a:rPr lang="ko-KR" altLang="en-US" smtClean="0"/>
-              <a:t>2023-03-28</a:t>
+              <a:t>2023-03-29</a:t>
             </a:fld>
             <a:endParaRPr lang="ko-KR" altLang="en-US"/>
           </a:p>
@@ -1348,7 +1351,7 @@
           <a:p>
             <a:fld id="{5E89329E-BE11-4AEF-90E2-A0329AC9D4C4}" type="datetimeFigureOut">
               <a:rPr lang="ko-KR" altLang="en-US" smtClean="0"/>
-              <a:t>2023-03-28</a:t>
+              <a:t>2023-03-29</a:t>
             </a:fld>
             <a:endParaRPr lang="ko-KR" altLang="en-US"/>
           </a:p>
@@ -1767,7 +1770,7 @@
           <a:p>
             <a:fld id="{5E89329E-BE11-4AEF-90E2-A0329AC9D4C4}" type="datetimeFigureOut">
               <a:rPr lang="ko-KR" altLang="en-US" smtClean="0"/>
-              <a:t>2023-03-28</a:t>
+              <a:t>2023-03-29</a:t>
             </a:fld>
             <a:endParaRPr lang="ko-KR" altLang="en-US"/>
           </a:p>
@@ -1884,7 +1887,7 @@
           <a:p>
             <a:fld id="{5E89329E-BE11-4AEF-90E2-A0329AC9D4C4}" type="datetimeFigureOut">
               <a:rPr lang="ko-KR" altLang="en-US" smtClean="0"/>
-              <a:t>2023-03-28</a:t>
+              <a:t>2023-03-29</a:t>
             </a:fld>
             <a:endParaRPr lang="ko-KR" altLang="en-US"/>
           </a:p>
@@ -1979,7 +1982,7 @@
           <a:p>
             <a:fld id="{5E89329E-BE11-4AEF-90E2-A0329AC9D4C4}" type="datetimeFigureOut">
               <a:rPr lang="ko-KR" altLang="en-US" smtClean="0"/>
-              <a:t>2023-03-28</a:t>
+              <a:t>2023-03-29</a:t>
             </a:fld>
             <a:endParaRPr lang="ko-KR" altLang="en-US"/>
           </a:p>
@@ -2254,7 +2257,7 @@
           <a:p>
             <a:fld id="{5E89329E-BE11-4AEF-90E2-A0329AC9D4C4}" type="datetimeFigureOut">
               <a:rPr lang="ko-KR" altLang="en-US" smtClean="0"/>
-              <a:t>2023-03-28</a:t>
+              <a:t>2023-03-29</a:t>
             </a:fld>
             <a:endParaRPr lang="ko-KR" altLang="en-US"/>
           </a:p>
@@ -2506,7 +2509,7 @@
           <a:p>
             <a:fld id="{5E89329E-BE11-4AEF-90E2-A0329AC9D4C4}" type="datetimeFigureOut">
               <a:rPr lang="ko-KR" altLang="en-US" smtClean="0"/>
-              <a:t>2023-03-28</a:t>
+              <a:t>2023-03-29</a:t>
             </a:fld>
             <a:endParaRPr lang="ko-KR" altLang="en-US"/>
           </a:p>
@@ -2717,7 +2720,7 @@
           <a:p>
             <a:fld id="{5E89329E-BE11-4AEF-90E2-A0329AC9D4C4}" type="datetimeFigureOut">
               <a:rPr lang="ko-KR" altLang="en-US" smtClean="0"/>
-              <a:t>2023-03-28</a:t>
+              <a:t>2023-03-29</a:t>
             </a:fld>
             <a:endParaRPr lang="ko-KR" altLang="en-US"/>
           </a:p>
@@ -3106,8 +3109,8 @@
         </p:nvGrpSpPr>
         <p:grpSpPr>
           <a:xfrm>
-            <a:off x="1949269" y="2514659"/>
-            <a:ext cx="3195247" cy="1743569"/>
+            <a:off x="539552" y="764704"/>
+            <a:ext cx="3921612" cy="2139929"/>
             <a:chOff x="1949269" y="2514659"/>
             <a:chExt cx="3195247" cy="1743569"/>
           </a:xfrm>
@@ -3195,6 +3198,99 @@
           </p:spPr>
         </p:pic>
       </p:grpSp>
+      <p:grpSp>
+        <p:nvGrpSpPr>
+          <p:cNvPr id="2" name="그룹 1">
+            <a:extLst>
+              <a:ext uri="{FF2B5EF4-FFF2-40B4-BE49-F238E27FC236}">
+                <a16:creationId xmlns:a16="http://schemas.microsoft.com/office/drawing/2014/main" id="{05E13175-AD81-B568-4F60-6D43ECD6B3CD}"/>
+              </a:ext>
+            </a:extLst>
+          </p:cNvPr>
+          <p:cNvGrpSpPr/>
+          <p:nvPr/>
+        </p:nvGrpSpPr>
+        <p:grpSpPr>
+          <a:xfrm>
+            <a:off x="539552" y="3645024"/>
+            <a:ext cx="6150974" cy="1331493"/>
+            <a:chOff x="1171036" y="2697863"/>
+            <a:chExt cx="6038755" cy="1307201"/>
+          </a:xfrm>
+        </p:grpSpPr>
+        <p:pic>
+          <p:nvPicPr>
+            <p:cNvPr id="3" name="그림 2" descr="텍스트, 표지판이(가) 표시된 사진&#10;&#10;자동 생성된 설명">
+              <a:extLst>
+                <a:ext uri="{FF2B5EF4-FFF2-40B4-BE49-F238E27FC236}">
+                  <a16:creationId xmlns:a16="http://schemas.microsoft.com/office/drawing/2014/main" id="{F4999627-CC92-27D3-5EA5-2B3032BA8840}"/>
+                </a:ext>
+              </a:extLst>
+            </p:cNvPr>
+            <p:cNvPicPr>
+              <a:picLocks noChangeAspect="1"/>
+            </p:cNvPicPr>
+            <p:nvPr/>
+          </p:nvPicPr>
+          <p:blipFill>
+            <a:blip r:embed="rId4">
+              <a:extLst>
+                <a:ext uri="{28A0092B-C50C-407E-A947-70E740481C1C}">
+                  <a14:useLocalDpi xmlns:a14="http://schemas.microsoft.com/office/drawing/2010/main" val="0"/>
+                </a:ext>
+              </a:extLst>
+            </a:blip>
+            <a:stretch>
+              <a:fillRect/>
+            </a:stretch>
+          </p:blipFill>
+          <p:spPr>
+            <a:xfrm>
+              <a:off x="1171036" y="2697863"/>
+              <a:ext cx="1277152" cy="1307201"/>
+            </a:xfrm>
+            <a:prstGeom prst="rect">
+              <a:avLst/>
+            </a:prstGeom>
+          </p:spPr>
+        </p:pic>
+        <p:pic>
+          <p:nvPicPr>
+            <p:cNvPr id="4" name="그림 3" descr="텍스트, 클립아트이(가) 표시된 사진&#10;&#10;자동 생성된 설명">
+              <a:extLst>
+                <a:ext uri="{FF2B5EF4-FFF2-40B4-BE49-F238E27FC236}">
+                  <a16:creationId xmlns:a16="http://schemas.microsoft.com/office/drawing/2014/main" id="{40C6B37E-E6F6-4F64-A3BC-4132F835F955}"/>
+                </a:ext>
+              </a:extLst>
+            </p:cNvPr>
+            <p:cNvPicPr>
+              <a:picLocks noChangeAspect="1"/>
+            </p:cNvPicPr>
+            <p:nvPr/>
+          </p:nvPicPr>
+          <p:blipFill>
+            <a:blip r:embed="rId5">
+              <a:extLst>
+                <a:ext uri="{28A0092B-C50C-407E-A947-70E740481C1C}">
+                  <a14:useLocalDpi xmlns:a14="http://schemas.microsoft.com/office/drawing/2010/main" val="0"/>
+                </a:ext>
+              </a:extLst>
+            </a:blip>
+            <a:stretch>
+              <a:fillRect/>
+            </a:stretch>
+          </p:blipFill>
+          <p:spPr>
+            <a:xfrm>
+              <a:off x="1934208" y="2924944"/>
+              <a:ext cx="5275583" cy="810454"/>
+            </a:xfrm>
+            <a:prstGeom prst="rect">
+              <a:avLst/>
+            </a:prstGeom>
+          </p:spPr>
+        </p:pic>
+      </p:grpSp>
     </p:spTree>
     <p:extLst>
       <p:ext uri="{BB962C8B-B14F-4D97-AF65-F5344CB8AC3E}">
@@ -3225,250 +3321,12 @@
           <a:chExt cx="0" cy="0"/>
         </a:xfrm>
       </p:grpSpPr>
-      <p:grpSp>
-        <p:nvGrpSpPr>
-          <p:cNvPr id="7" name="그룹 6">
+      <p:pic>
+        <p:nvPicPr>
+          <p:cNvPr id="8" name="그림 7" descr="화이트이(가) 표시된 사진&#10;&#10;자동 생성된 설명">
             <a:extLst>
               <a:ext uri="{FF2B5EF4-FFF2-40B4-BE49-F238E27FC236}">
-                <a16:creationId xmlns:a16="http://schemas.microsoft.com/office/drawing/2014/main" id="{F47E4F23-FF3F-C1D6-82D3-9F1A86521606}"/>
-              </a:ext>
-            </a:extLst>
-          </p:cNvPr>
-          <p:cNvGrpSpPr/>
-          <p:nvPr/>
-        </p:nvGrpSpPr>
-        <p:grpSpPr>
-          <a:xfrm>
-            <a:off x="1195998" y="3140968"/>
-            <a:ext cx="6038755" cy="1307201"/>
-            <a:chOff x="1171036" y="2697863"/>
-            <a:chExt cx="6038755" cy="1307201"/>
-          </a:xfrm>
-        </p:grpSpPr>
-        <p:pic>
-          <p:nvPicPr>
-            <p:cNvPr id="2" name="그림 1" descr="텍스트, 표지판이(가) 표시된 사진&#10;&#10;자동 생성된 설명">
-              <a:extLst>
-                <a:ext uri="{FF2B5EF4-FFF2-40B4-BE49-F238E27FC236}">
-                  <a16:creationId xmlns:a16="http://schemas.microsoft.com/office/drawing/2014/main" id="{ED25007E-BD4A-5F68-7C8F-5FD2CAC67535}"/>
-                </a:ext>
-              </a:extLst>
-            </p:cNvPr>
-            <p:cNvPicPr>
-              <a:picLocks noChangeAspect="1"/>
-            </p:cNvPicPr>
-            <p:nvPr/>
-          </p:nvPicPr>
-          <p:blipFill>
-            <a:blip r:embed="rId2">
-              <a:extLst>
-                <a:ext uri="{28A0092B-C50C-407E-A947-70E740481C1C}">
-                  <a14:useLocalDpi xmlns:a14="http://schemas.microsoft.com/office/drawing/2010/main" val="0"/>
-                </a:ext>
-              </a:extLst>
-            </a:blip>
-            <a:stretch>
-              <a:fillRect/>
-            </a:stretch>
-          </p:blipFill>
-          <p:spPr>
-            <a:xfrm>
-              <a:off x="1171036" y="2697863"/>
-              <a:ext cx="1277152" cy="1307201"/>
-            </a:xfrm>
-            <a:prstGeom prst="rect">
-              <a:avLst/>
-            </a:prstGeom>
-          </p:spPr>
-        </p:pic>
-        <p:pic>
-          <p:nvPicPr>
-            <p:cNvPr id="3" name="그림 2" descr="텍스트, 클립아트이(가) 표시된 사진&#10;&#10;자동 생성된 설명">
-              <a:extLst>
-                <a:ext uri="{FF2B5EF4-FFF2-40B4-BE49-F238E27FC236}">
-                  <a16:creationId xmlns:a16="http://schemas.microsoft.com/office/drawing/2014/main" id="{876F4A28-8D74-7F55-D2C3-5A6B167A2AAA}"/>
-                </a:ext>
-              </a:extLst>
-            </p:cNvPr>
-            <p:cNvPicPr>
-              <a:picLocks noChangeAspect="1"/>
-            </p:cNvPicPr>
-            <p:nvPr/>
-          </p:nvPicPr>
-          <p:blipFill>
-            <a:blip r:embed="rId3">
-              <a:extLst>
-                <a:ext uri="{28A0092B-C50C-407E-A947-70E740481C1C}">
-                  <a14:useLocalDpi xmlns:a14="http://schemas.microsoft.com/office/drawing/2010/main" val="0"/>
-                </a:ext>
-              </a:extLst>
-            </a:blip>
-            <a:stretch>
-              <a:fillRect/>
-            </a:stretch>
-          </p:blipFill>
-          <p:spPr>
-            <a:xfrm>
-              <a:off x="1934208" y="2924944"/>
-              <a:ext cx="5275583" cy="810454"/>
-            </a:xfrm>
-            <a:prstGeom prst="rect">
-              <a:avLst/>
-            </a:prstGeom>
-          </p:spPr>
-        </p:pic>
-      </p:grpSp>
-      <p:grpSp>
-        <p:nvGrpSpPr>
-          <p:cNvPr id="4" name="그룹 3">
-            <a:extLst>
-              <a:ext uri="{FF2B5EF4-FFF2-40B4-BE49-F238E27FC236}">
-                <a16:creationId xmlns:a16="http://schemas.microsoft.com/office/drawing/2014/main" id="{9133A321-166C-5B3C-E2EB-69F7957A14BE}"/>
-              </a:ext>
-            </a:extLst>
-          </p:cNvPr>
-          <p:cNvGrpSpPr/>
-          <p:nvPr/>
-        </p:nvGrpSpPr>
-        <p:grpSpPr>
-          <a:xfrm>
-            <a:off x="1195998" y="332656"/>
-            <a:ext cx="3092796" cy="1658456"/>
-            <a:chOff x="1331640" y="1340768"/>
-            <a:chExt cx="4968552" cy="2664296"/>
-          </a:xfrm>
-        </p:grpSpPr>
-        <p:pic>
-          <p:nvPicPr>
-            <p:cNvPr id="5" name="Picture 2" descr="https://lh5.googleusercontent.com/MA7XNU5kF2i95heBwsDmDtdCVbCszevS59Fp3ue92r0CjdEJizMLF0ig8RJHOB84ionZ1fS8F2xm4trEMn_j_gBPV3ThqSZQnWUrqGBtVH7ZgyT-wdtJfP6CkGzIeSni3pb4hF8tKTaFBgDXX2ARXGDdvQ=s2048">
-              <a:extLst>
-                <a:ext uri="{FF2B5EF4-FFF2-40B4-BE49-F238E27FC236}">
-                  <a16:creationId xmlns:a16="http://schemas.microsoft.com/office/drawing/2014/main" id="{048A2247-D190-85A8-70EA-5D2F7034192C}"/>
-                </a:ext>
-              </a:extLst>
-            </p:cNvPr>
-            <p:cNvPicPr>
-              <a:picLocks noChangeAspect="1" noChangeArrowheads="1"/>
-            </p:cNvPicPr>
-            <p:nvPr/>
-          </p:nvPicPr>
-          <p:blipFill>
-            <a:blip r:embed="rId4">
-              <a:extLst>
-                <a:ext uri="{28A0092B-C50C-407E-A947-70E740481C1C}">
-                  <a14:useLocalDpi xmlns:a14="http://schemas.microsoft.com/office/drawing/2010/main" val="0"/>
-                </a:ext>
-              </a:extLst>
-            </a:blip>
-            <a:srcRect/>
-            <a:stretch>
-              <a:fillRect/>
-            </a:stretch>
-          </p:blipFill>
-          <p:spPr bwMode="auto">
-            <a:xfrm>
-              <a:off x="1331640" y="1340768"/>
-              <a:ext cx="1647825" cy="1704975"/>
-            </a:xfrm>
-            <a:prstGeom prst="rect">
-              <a:avLst/>
-            </a:prstGeom>
-            <a:noFill/>
-            <a:extLst>
-              <a:ext uri="{909E8E84-426E-40DD-AFC4-6F175D3DCCD1}">
-                <a14:hiddenFill xmlns:a14="http://schemas.microsoft.com/office/drawing/2010/main">
-                  <a:solidFill>
-                    <a:srgbClr val="FFFFFF"/>
-                  </a:solidFill>
-                </a14:hiddenFill>
-              </a:ext>
-            </a:extLst>
-          </p:spPr>
-        </p:pic>
-        <p:pic>
-          <p:nvPicPr>
-            <p:cNvPr id="6" name="Picture 3" descr="https://lh4.googleusercontent.com/CoGiAeRnDRSZpzgkGm92G13xYAO_a1IS6ZHT2zcW7Szf5e2Jl8ZKrUnwo6x9UZYQmMLseFLOBf7SqbTxdLtM6Wh0_0k9mG0dNG_Q7bVHJPRW2rlIQa5Q0mY04UUOaE_I39HgqcKnR1UAqonDDqI-5phQwQ=s2048">
-              <a:extLst>
-                <a:ext uri="{FF2B5EF4-FFF2-40B4-BE49-F238E27FC236}">
-                  <a16:creationId xmlns:a16="http://schemas.microsoft.com/office/drawing/2014/main" id="{C9FC058F-2D20-C0D1-C07F-57D1E336938B}"/>
-                </a:ext>
-              </a:extLst>
-            </p:cNvPr>
-            <p:cNvPicPr>
-              <a:picLocks noChangeAspect="1" noChangeArrowheads="1"/>
-            </p:cNvPicPr>
-            <p:nvPr/>
-          </p:nvPicPr>
-          <p:blipFill>
-            <a:blip r:embed="rId5">
-              <a:extLst>
-                <a:ext uri="{28A0092B-C50C-407E-A947-70E740481C1C}">
-                  <a14:useLocalDpi xmlns:a14="http://schemas.microsoft.com/office/drawing/2010/main" val="0"/>
-                </a:ext>
-              </a:extLst>
-            </a:blip>
-            <a:srcRect/>
-            <a:stretch>
-              <a:fillRect/>
-            </a:stretch>
-          </p:blipFill>
-          <p:spPr bwMode="auto">
-            <a:xfrm>
-              <a:off x="2290167" y="1690489"/>
-              <a:ext cx="4010025" cy="2314575"/>
-            </a:xfrm>
-            <a:prstGeom prst="rect">
-              <a:avLst/>
-            </a:prstGeom>
-            <a:noFill/>
-            <a:extLst>
-              <a:ext uri="{909E8E84-426E-40DD-AFC4-6F175D3DCCD1}">
-                <a14:hiddenFill xmlns:a14="http://schemas.microsoft.com/office/drawing/2010/main">
-                  <a:solidFill>
-                    <a:srgbClr val="FFFFFF"/>
-                  </a:solidFill>
-                </a14:hiddenFill>
-              </a:ext>
-            </a:extLst>
-          </p:spPr>
-        </p:pic>
-      </p:grpSp>
-    </p:spTree>
-    <p:extLst>
-      <p:ext uri="{BB962C8B-B14F-4D97-AF65-F5344CB8AC3E}">
-        <p14:creationId xmlns:p14="http://schemas.microsoft.com/office/powerpoint/2010/main" val="2942645614"/>
-      </p:ext>
-    </p:extLst>
-  </p:cSld>
-  <p:clrMapOvr>
-    <a:masterClrMapping/>
-  </p:clrMapOvr>
-</p:sld>
-</file>
-
-<file path=ppt/slides/slide3.xml><?xml version="1.0" encoding="utf-8"?>
-<p:sld xmlns:a="http://schemas.openxmlformats.org/drawingml/2006/main" xmlns:r="http://schemas.openxmlformats.org/officeDocument/2006/relationships" xmlns:p="http://schemas.openxmlformats.org/presentationml/2006/main">
-  <p:cSld>
-    <p:spTree>
-      <p:nvGrpSpPr>
-        <p:cNvPr id="1" name=""/>
-        <p:cNvGrpSpPr/>
-        <p:nvPr/>
-      </p:nvGrpSpPr>
-      <p:grpSpPr>
-        <a:xfrm>
-          <a:off x="0" y="0"/>
-          <a:ext cx="0" cy="0"/>
-          <a:chOff x="0" y="0"/>
-          <a:chExt cx="0" cy="0"/>
-        </a:xfrm>
-      </p:grpSpPr>
-      <p:pic>
-        <p:nvPicPr>
-          <p:cNvPr id="3" name="그림 2" descr="화이트이(가) 표시된 사진&#10;&#10;자동 생성된 설명">
-            <a:extLst>
-              <a:ext uri="{FF2B5EF4-FFF2-40B4-BE49-F238E27FC236}">
-                <a16:creationId xmlns:a16="http://schemas.microsoft.com/office/drawing/2014/main" id="{4F8FB521-9740-6D48-A7E9-CC656A7AE618}"/>
+                <a16:creationId xmlns:a16="http://schemas.microsoft.com/office/drawing/2014/main" id="{8D8F2F08-7A61-02F6-2AE9-6EAFEADB346D}"/>
               </a:ext>
             </a:extLst>
           </p:cNvPr>
@@ -3484,7 +3342,16 @@
                 <a14:imgProps xmlns:a14="http://schemas.microsoft.com/office/drawing/2010/main">
                   <a14:imgLayer r:embed="rId3">
                     <a14:imgEffect>
-                      <a14:brightnessContrast contrast="-23000"/>
+                      <a14:sharpenSoften amount="100000"/>
+                    </a14:imgEffect>
+                    <a14:imgEffect>
+                      <a14:colorTemperature colorTemp="8307"/>
+                    </a14:imgEffect>
+                    <a14:imgEffect>
+                      <a14:saturation sat="262000"/>
+                    </a14:imgEffect>
+                    <a14:imgEffect>
+                      <a14:brightnessContrast contrast="-22000"/>
                     </a14:imgEffect>
                   </a14:imgLayer>
                 </a14:imgProps>
@@ -3512,7 +3379,499 @@
     </p:spTree>
     <p:extLst>
       <p:ext uri="{BB962C8B-B14F-4D97-AF65-F5344CB8AC3E}">
+        <p14:creationId xmlns:p14="http://schemas.microsoft.com/office/powerpoint/2010/main" val="2942645614"/>
+      </p:ext>
+    </p:extLst>
+  </p:cSld>
+  <p:clrMapOvr>
+    <a:masterClrMapping/>
+  </p:clrMapOvr>
+</p:sld>
+</file>
+
+<file path=ppt/slides/slide3.xml><?xml version="1.0" encoding="utf-8"?>
+<p:sld xmlns:a="http://schemas.openxmlformats.org/drawingml/2006/main" xmlns:r="http://schemas.openxmlformats.org/officeDocument/2006/relationships" xmlns:p="http://schemas.openxmlformats.org/presentationml/2006/main">
+  <p:cSld>
+    <p:bg>
+      <p:bgPr>
+        <a:solidFill>
+          <a:schemeClr val="bg1">
+            <a:lumMod val="50000"/>
+          </a:schemeClr>
+        </a:solidFill>
+        <a:effectLst/>
+      </p:bgPr>
+    </p:bg>
+    <p:spTree>
+      <p:nvGrpSpPr>
+        <p:cNvPr id="1" name=""/>
+        <p:cNvGrpSpPr/>
+        <p:nvPr/>
+      </p:nvGrpSpPr>
+      <p:grpSpPr>
+        <a:xfrm>
+          <a:off x="0" y="0"/>
+          <a:ext cx="0" cy="0"/>
+          <a:chOff x="0" y="0"/>
+          <a:chExt cx="0" cy="0"/>
+        </a:xfrm>
+      </p:grpSpPr>
+      <p:sp>
+        <p:nvSpPr>
+          <p:cNvPr id="2" name="TextBox 1">
+            <a:extLst>
+              <a:ext uri="{FF2B5EF4-FFF2-40B4-BE49-F238E27FC236}">
+                <a16:creationId xmlns:a16="http://schemas.microsoft.com/office/drawing/2014/main" id="{6F3C571F-367F-30A4-BAB3-93EB53214B16}"/>
+              </a:ext>
+            </a:extLst>
+          </p:cNvPr>
+          <p:cNvSpPr txBox="1"/>
+          <p:nvPr/>
+        </p:nvSpPr>
+        <p:spPr>
+          <a:xfrm>
+            <a:off x="1619672" y="2276872"/>
+            <a:ext cx="4752528" cy="584775"/>
+          </a:xfrm>
+          <a:prstGeom prst="rect">
+            <a:avLst/>
+          </a:prstGeom>
+          <a:noFill/>
+        </p:spPr>
+        <p:txBody>
+          <a:bodyPr wrap="square" rtlCol="0">
+            <a:spAutoFit/>
+          </a:bodyPr>
+          <a:lstStyle/>
+          <a:p>
+            <a:r>
+              <a:rPr lang="ko-KR" altLang="en-US" sz="3200" i="1" dirty="0" err="1">
+                <a:solidFill>
+                  <a:schemeClr val="bg1"/>
+                </a:solidFill>
+                <a:latin typeface="푸라닭 젠틀 고딕" panose="00000500000000000000" pitchFamily="2" charset="-127"/>
+                <a:ea typeface="푸라닭 젠틀 고딕" panose="00000500000000000000" pitchFamily="2" charset="-127"/>
+              </a:rPr>
+              <a:t>우리들만의</a:t>
+            </a:r>
+            <a:r>
+              <a:rPr lang="ko-KR" altLang="en-US" sz="3200" i="1" dirty="0">
+                <a:solidFill>
+                  <a:schemeClr val="bg1"/>
+                </a:solidFill>
+                <a:latin typeface="푸라닭 젠틀 고딕" panose="00000500000000000000" pitchFamily="2" charset="-127"/>
+                <a:ea typeface="푸라닭 젠틀 고딕" panose="00000500000000000000" pitchFamily="2" charset="-127"/>
+              </a:rPr>
+              <a:t> 시크릿 레시피</a:t>
+            </a:r>
+          </a:p>
+        </p:txBody>
+      </p:sp>
+    </p:spTree>
+    <p:extLst>
+      <p:ext uri="{BB962C8B-B14F-4D97-AF65-F5344CB8AC3E}">
         <p14:creationId xmlns:p14="http://schemas.microsoft.com/office/powerpoint/2010/main" val="2870092294"/>
+      </p:ext>
+    </p:extLst>
+  </p:cSld>
+  <p:clrMapOvr>
+    <a:masterClrMapping/>
+  </p:clrMapOvr>
+</p:sld>
+</file>
+
+<file path=ppt/slides/slide4.xml><?xml version="1.0" encoding="utf-8"?>
+<p:sld xmlns:a="http://schemas.openxmlformats.org/drawingml/2006/main" xmlns:r="http://schemas.openxmlformats.org/officeDocument/2006/relationships" xmlns:p="http://schemas.openxmlformats.org/presentationml/2006/main">
+  <p:cSld>
+    <p:bg>
+      <p:bgPr>
+        <a:solidFill>
+          <a:schemeClr val="tx1"/>
+        </a:solidFill>
+        <a:effectLst/>
+      </p:bgPr>
+    </p:bg>
+    <p:spTree>
+      <p:nvGrpSpPr>
+        <p:cNvPr id="1" name=""/>
+        <p:cNvGrpSpPr/>
+        <p:nvPr/>
+      </p:nvGrpSpPr>
+      <p:grpSpPr>
+        <a:xfrm>
+          <a:off x="0" y="0"/>
+          <a:ext cx="0" cy="0"/>
+          <a:chOff x="0" y="0"/>
+          <a:chExt cx="0" cy="0"/>
+        </a:xfrm>
+      </p:grpSpPr>
+      <p:sp>
+        <p:nvSpPr>
+          <p:cNvPr id="3" name="TextBox 2">
+            <a:extLst>
+              <a:ext uri="{FF2B5EF4-FFF2-40B4-BE49-F238E27FC236}">
+                <a16:creationId xmlns:a16="http://schemas.microsoft.com/office/drawing/2014/main" id="{678D8CA6-8D34-2295-5495-BB7A0E13CCD3}"/>
+              </a:ext>
+            </a:extLst>
+          </p:cNvPr>
+          <p:cNvSpPr txBox="1"/>
+          <p:nvPr/>
+        </p:nvSpPr>
+        <p:spPr>
+          <a:xfrm>
+            <a:off x="1115616" y="1628507"/>
+            <a:ext cx="4824536" cy="1631216"/>
+          </a:xfrm>
+          <a:prstGeom prst="rect">
+            <a:avLst/>
+          </a:prstGeom>
+          <a:noFill/>
+        </p:spPr>
+        <p:txBody>
+          <a:bodyPr wrap="square">
+            <a:spAutoFit/>
+          </a:bodyPr>
+          <a:lstStyle/>
+          <a:p>
+            <a:pPr rtl="0">
+              <a:spcBef>
+                <a:spcPts val="0"/>
+              </a:spcBef>
+              <a:spcAft>
+                <a:spcPts val="0"/>
+              </a:spcAft>
+            </a:pPr>
+            <a:r>
+              <a:rPr lang="ko-KR" altLang="en-US" sz="10000" b="0" i="0" u="none" strike="noStrike" dirty="0">
+                <a:solidFill>
+                  <a:srgbClr val="FFE89F"/>
+                </a:solidFill>
+                <a:effectLst/>
+                <a:latin typeface="East Sea Dokdo" pitchFamily="2" charset="-127"/>
+                <a:ea typeface="East Sea Dokdo" pitchFamily="2" charset="-127"/>
+              </a:rPr>
+              <a:t>주</a:t>
+            </a:r>
+            <a:r>
+              <a:rPr lang="ko-KR" altLang="en-US" sz="8000" b="0" i="0" u="none" strike="noStrike" dirty="0">
+                <a:solidFill>
+                  <a:srgbClr val="FFFFFF"/>
+                </a:solidFill>
+                <a:effectLst/>
+                <a:latin typeface="East Sea Dokdo" pitchFamily="2" charset="-127"/>
+                <a:ea typeface="East Sea Dokdo" pitchFamily="2" charset="-127"/>
+              </a:rPr>
+              <a:t>인장의 </a:t>
+            </a:r>
+            <a:r>
+              <a:rPr lang="ko-KR" altLang="en-US" sz="10000" b="0" i="0" u="none" strike="noStrike" dirty="0">
+                <a:solidFill>
+                  <a:srgbClr val="FFC000"/>
+                </a:solidFill>
+                <a:effectLst/>
+                <a:latin typeface="East Sea Dokdo" pitchFamily="2" charset="-127"/>
+                <a:ea typeface="East Sea Dokdo" pitchFamily="2" charset="-127"/>
+              </a:rPr>
+              <a:t>시</a:t>
+            </a:r>
+            <a:r>
+              <a:rPr lang="ko-KR" altLang="en-US" sz="10000" b="0" i="0" u="none" strike="noStrike" dirty="0">
+                <a:solidFill>
+                  <a:srgbClr val="FFE89F"/>
+                </a:solidFill>
+                <a:effectLst/>
+                <a:latin typeface="East Sea Dokdo" pitchFamily="2" charset="-127"/>
+                <a:ea typeface="East Sea Dokdo" pitchFamily="2" charset="-127"/>
+              </a:rPr>
+              <a:t>크</a:t>
+            </a:r>
+            <a:r>
+              <a:rPr lang="ko-KR" altLang="en-US" sz="6000" b="0" i="0" u="none" strike="noStrike" dirty="0">
+                <a:solidFill>
+                  <a:srgbClr val="FFFFFF"/>
+                </a:solidFill>
+                <a:effectLst/>
+                <a:latin typeface="East Sea Dokdo" pitchFamily="2" charset="-127"/>
+                <a:ea typeface="East Sea Dokdo" pitchFamily="2" charset="-127"/>
+              </a:rPr>
+              <a:t>릿</a:t>
+            </a:r>
+            <a:endParaRPr lang="ko-KR" altLang="en-US" sz="8000" dirty="0">
+              <a:latin typeface="East Sea Dokdo" pitchFamily="2" charset="-127"/>
+              <a:ea typeface="East Sea Dokdo" pitchFamily="2" charset="-127"/>
+            </a:endParaRPr>
+          </a:p>
+        </p:txBody>
+      </p:sp>
+      <p:sp>
+        <p:nvSpPr>
+          <p:cNvPr id="5" name="TextBox 4">
+            <a:extLst>
+              <a:ext uri="{FF2B5EF4-FFF2-40B4-BE49-F238E27FC236}">
+                <a16:creationId xmlns:a16="http://schemas.microsoft.com/office/drawing/2014/main" id="{BBFA9EFC-A0A8-B927-46F3-D72460476307}"/>
+              </a:ext>
+            </a:extLst>
+          </p:cNvPr>
+          <p:cNvSpPr txBox="1"/>
+          <p:nvPr/>
+        </p:nvSpPr>
+        <p:spPr>
+          <a:xfrm>
+            <a:off x="3147450" y="351235"/>
+            <a:ext cx="1296144" cy="1569660"/>
+          </a:xfrm>
+          <a:prstGeom prst="rect">
+            <a:avLst/>
+          </a:prstGeom>
+          <a:noFill/>
+        </p:spPr>
+        <p:txBody>
+          <a:bodyPr wrap="square">
+            <a:spAutoFit/>
+          </a:bodyPr>
+          <a:lstStyle/>
+          <a:p>
+            <a:r>
+              <a:rPr lang="ko-KR" altLang="en-US" sz="9600" b="0" i="0" u="none" strike="noStrike" dirty="0">
+                <a:solidFill>
+                  <a:srgbClr val="FFC000"/>
+                </a:solidFill>
+                <a:effectLst/>
+                <a:latin typeface="HY견명조" panose="02030600000101010101" pitchFamily="18" charset="-127"/>
+                <a:ea typeface="HY견명조" panose="02030600000101010101" pitchFamily="18" charset="-127"/>
+              </a:rPr>
+              <a:t>酒</a:t>
+            </a:r>
+            <a:endParaRPr lang="ko-KR" altLang="en-US" dirty="0">
+              <a:latin typeface="HY견명조" panose="02030600000101010101" pitchFamily="18" charset="-127"/>
+              <a:ea typeface="HY견명조" panose="02030600000101010101" pitchFamily="18" charset="-127"/>
+            </a:endParaRPr>
+          </a:p>
+        </p:txBody>
+      </p:sp>
+    </p:spTree>
+    <p:extLst>
+      <p:ext uri="{BB962C8B-B14F-4D97-AF65-F5344CB8AC3E}">
+        <p14:creationId xmlns:p14="http://schemas.microsoft.com/office/powerpoint/2010/main" val="3973384139"/>
+      </p:ext>
+    </p:extLst>
+  </p:cSld>
+  <p:clrMapOvr>
+    <a:masterClrMapping/>
+  </p:clrMapOvr>
+</p:sld>
+</file>
+
+<file path=ppt/slides/slide5.xml><?xml version="1.0" encoding="utf-8"?>
+<p:sld xmlns:a="http://schemas.openxmlformats.org/drawingml/2006/main" xmlns:r="http://schemas.openxmlformats.org/officeDocument/2006/relationships" xmlns:p="http://schemas.openxmlformats.org/presentationml/2006/main">
+  <p:cSld>
+    <p:bg>
+      <p:bgPr>
+        <a:solidFill>
+          <a:schemeClr val="tx1"/>
+        </a:solidFill>
+        <a:effectLst/>
+      </p:bgPr>
+    </p:bg>
+    <p:spTree>
+      <p:nvGrpSpPr>
+        <p:cNvPr id="1" name=""/>
+        <p:cNvGrpSpPr/>
+        <p:nvPr/>
+      </p:nvGrpSpPr>
+      <p:grpSpPr>
+        <a:xfrm>
+          <a:off x="0" y="0"/>
+          <a:ext cx="0" cy="0"/>
+          <a:chOff x="0" y="0"/>
+          <a:chExt cx="0" cy="0"/>
+        </a:xfrm>
+      </p:grpSpPr>
+      <p:grpSp>
+        <p:nvGrpSpPr>
+          <p:cNvPr id="6" name="그룹 5">
+            <a:extLst>
+              <a:ext uri="{FF2B5EF4-FFF2-40B4-BE49-F238E27FC236}">
+                <a16:creationId xmlns:a16="http://schemas.microsoft.com/office/drawing/2014/main" id="{4F3DB6A6-9E89-6B19-E127-D10B92C215E3}"/>
+              </a:ext>
+            </a:extLst>
+          </p:cNvPr>
+          <p:cNvGrpSpPr/>
+          <p:nvPr/>
+        </p:nvGrpSpPr>
+        <p:grpSpPr>
+          <a:xfrm>
+            <a:off x="323528" y="620688"/>
+            <a:ext cx="5132503" cy="1527620"/>
+            <a:chOff x="1904357" y="2463589"/>
+            <a:chExt cx="5132503" cy="1527620"/>
+          </a:xfrm>
+        </p:grpSpPr>
+        <p:pic>
+          <p:nvPicPr>
+            <p:cNvPr id="3" name="그림 2" descr="로고이(가) 표시된 사진&#10;&#10;자동 생성된 설명">
+              <a:extLst>
+                <a:ext uri="{FF2B5EF4-FFF2-40B4-BE49-F238E27FC236}">
+                  <a16:creationId xmlns:a16="http://schemas.microsoft.com/office/drawing/2014/main" id="{69F31C98-B301-5EFD-15E3-FBAEE596ACAB}"/>
+                </a:ext>
+              </a:extLst>
+            </p:cNvPr>
+            <p:cNvPicPr>
+              <a:picLocks noChangeAspect="1"/>
+            </p:cNvPicPr>
+            <p:nvPr/>
+          </p:nvPicPr>
+          <p:blipFill rotWithShape="1">
+            <a:blip r:embed="rId2" cstate="print">
+              <a:alphaModFix amt="24000"/>
+              <a:extLst>
+                <a:ext uri="{28A0092B-C50C-407E-A947-70E740481C1C}">
+                  <a14:useLocalDpi xmlns:a14="http://schemas.microsoft.com/office/drawing/2010/main" val="0"/>
+                </a:ext>
+              </a:extLst>
+            </a:blip>
+            <a:srcRect l="26818" t="22474" r="24909" b="32576"/>
+            <a:stretch/>
+          </p:blipFill>
+          <p:spPr>
+            <a:xfrm>
+              <a:off x="1904357" y="2463589"/>
+              <a:ext cx="1435785" cy="1192331"/>
+            </a:xfrm>
+            <a:prstGeom prst="rect">
+              <a:avLst/>
+            </a:prstGeom>
+          </p:spPr>
+        </p:pic>
+        <p:pic>
+          <p:nvPicPr>
+            <p:cNvPr id="5" name="그림 4" descr="텍스트이(가) 표시된 사진&#10;&#10;자동 생성된 설명">
+              <a:extLst>
+                <a:ext uri="{FF2B5EF4-FFF2-40B4-BE49-F238E27FC236}">
+                  <a16:creationId xmlns:a16="http://schemas.microsoft.com/office/drawing/2014/main" id="{0D2233CE-BB1C-B51D-14EB-D392011364F5}"/>
+                </a:ext>
+              </a:extLst>
+            </p:cNvPr>
+            <p:cNvPicPr>
+              <a:picLocks noChangeAspect="1"/>
+            </p:cNvPicPr>
+            <p:nvPr/>
+          </p:nvPicPr>
+          <p:blipFill rotWithShape="1">
+            <a:blip r:embed="rId3" cstate="print">
+              <a:extLst>
+                <a:ext uri="{28A0092B-C50C-407E-A947-70E740481C1C}">
+                  <a14:useLocalDpi xmlns:a14="http://schemas.microsoft.com/office/drawing/2010/main" val="0"/>
+                </a:ext>
+              </a:extLst>
+            </a:blip>
+            <a:srcRect l="12398" t="28435" r="5773" b="28434"/>
+            <a:stretch/>
+          </p:blipFill>
+          <p:spPr>
+            <a:xfrm>
+              <a:off x="2284332" y="2839080"/>
+              <a:ext cx="4752528" cy="1152129"/>
+            </a:xfrm>
+            <a:prstGeom prst="rect">
+              <a:avLst/>
+            </a:prstGeom>
+          </p:spPr>
+        </p:pic>
+      </p:grpSp>
+      <p:sp>
+        <p:nvSpPr>
+          <p:cNvPr id="9" name="TextBox 8">
+            <a:extLst>
+              <a:ext uri="{FF2B5EF4-FFF2-40B4-BE49-F238E27FC236}">
+                <a16:creationId xmlns:a16="http://schemas.microsoft.com/office/drawing/2014/main" id="{7FF76018-CBB5-F802-6C3E-D71B6BB4BA03}"/>
+              </a:ext>
+            </a:extLst>
+          </p:cNvPr>
+          <p:cNvSpPr txBox="1"/>
+          <p:nvPr/>
+        </p:nvSpPr>
+        <p:spPr>
+          <a:xfrm>
+            <a:off x="703503" y="2924944"/>
+            <a:ext cx="3669594" cy="707886"/>
+          </a:xfrm>
+          <a:prstGeom prst="rect">
+            <a:avLst/>
+          </a:prstGeom>
+          <a:noFill/>
+        </p:spPr>
+        <p:txBody>
+          <a:bodyPr wrap="none" rtlCol="0">
+            <a:spAutoFit/>
+          </a:bodyPr>
+          <a:lstStyle/>
+          <a:p>
+            <a:r>
+              <a:rPr lang="ko-KR" altLang="en-US" sz="4000" dirty="0" err="1">
+                <a:solidFill>
+                  <a:schemeClr val="bg1"/>
+                </a:solidFill>
+                <a:latin typeface="East Sea Dokdo" pitchFamily="2" charset="-127"/>
+                <a:ea typeface="East Sea Dokdo" pitchFamily="2" charset="-127"/>
+              </a:rPr>
+              <a:t>우리들만의</a:t>
+            </a:r>
+            <a:r>
+              <a:rPr lang="ko-KR" altLang="en-US" sz="4000" dirty="0">
+                <a:solidFill>
+                  <a:schemeClr val="bg1"/>
+                </a:solidFill>
+                <a:latin typeface="East Sea Dokdo" pitchFamily="2" charset="-127"/>
+                <a:ea typeface="East Sea Dokdo" pitchFamily="2" charset="-127"/>
+              </a:rPr>
+              <a:t> 시크릿 레시피</a:t>
+            </a:r>
+          </a:p>
+        </p:txBody>
+      </p:sp>
+    </p:spTree>
+    <p:extLst>
+      <p:ext uri="{BB962C8B-B14F-4D97-AF65-F5344CB8AC3E}">
+        <p14:creationId xmlns:p14="http://schemas.microsoft.com/office/powerpoint/2010/main" val="645471287"/>
+      </p:ext>
+    </p:extLst>
+  </p:cSld>
+  <p:clrMapOvr>
+    <a:masterClrMapping/>
+  </p:clrMapOvr>
+</p:sld>
+</file>
+
+<file path=ppt/slides/slide6.xml><?xml version="1.0" encoding="utf-8"?>
+<p:sld xmlns:a="http://schemas.openxmlformats.org/drawingml/2006/main" xmlns:r="http://schemas.openxmlformats.org/officeDocument/2006/relationships" xmlns:p="http://schemas.openxmlformats.org/presentationml/2006/main">
+  <p:cSld>
+    <p:bg>
+      <p:bgPr>
+        <a:solidFill>
+          <a:schemeClr val="tx1"/>
+        </a:solidFill>
+        <a:effectLst/>
+      </p:bgPr>
+    </p:bg>
+    <p:spTree>
+      <p:nvGrpSpPr>
+        <p:cNvPr id="1" name=""/>
+        <p:cNvGrpSpPr/>
+        <p:nvPr/>
+      </p:nvGrpSpPr>
+      <p:grpSpPr>
+        <a:xfrm>
+          <a:off x="0" y="0"/>
+          <a:ext cx="0" cy="0"/>
+          <a:chOff x="0" y="0"/>
+          <a:chExt cx="0" cy="0"/>
+        </a:xfrm>
+      </p:grpSpPr>
+    </p:spTree>
+    <p:extLst>
+      <p:ext uri="{BB962C8B-B14F-4D97-AF65-F5344CB8AC3E}">
+        <p14:creationId xmlns:p14="http://schemas.microsoft.com/office/powerpoint/2010/main" val="2079220532"/>
       </p:ext>
     </p:extLst>
   </p:cSld>

--- a/제작/로고 제작.pptx
+++ b/제작/로고 제작.pptx
@@ -11,6 +11,7 @@
     <p:sldId id="262" r:id="rId5"/>
     <p:sldId id="263" r:id="rId6"/>
     <p:sldId id="264" r:id="rId7"/>
+    <p:sldId id="265" r:id="rId8"/>
   </p:sldIdLst>
   <p:sldSz cx="9144000" cy="6858000" type="screen4x3"/>
   <p:notesSz cx="6858000" cy="9144000"/>
@@ -3881,6 +3882,165 @@
 </p:sld>
 </file>
 
+<file path=ppt/slides/slide7.xml><?xml version="1.0" encoding="utf-8"?>
+<p:sld xmlns:a="http://schemas.openxmlformats.org/drawingml/2006/main" xmlns:r="http://schemas.openxmlformats.org/officeDocument/2006/relationships" xmlns:p="http://schemas.openxmlformats.org/presentationml/2006/main">
+  <p:cSld>
+    <p:spTree>
+      <p:nvGrpSpPr>
+        <p:cNvPr id="1" name=""/>
+        <p:cNvGrpSpPr/>
+        <p:nvPr/>
+      </p:nvGrpSpPr>
+      <p:grpSpPr>
+        <a:xfrm>
+          <a:off x="0" y="0"/>
+          <a:ext cx="0" cy="0"/>
+          <a:chOff x="0" y="0"/>
+          <a:chExt cx="0" cy="0"/>
+        </a:xfrm>
+      </p:grpSpPr>
+      <p:grpSp>
+        <p:nvGrpSpPr>
+          <p:cNvPr id="8" name="그룹 7">
+            <a:extLst>
+              <a:ext uri="{FF2B5EF4-FFF2-40B4-BE49-F238E27FC236}">
+                <a16:creationId xmlns:a16="http://schemas.microsoft.com/office/drawing/2014/main" id="{2E9B68B5-99D4-F955-5227-040C1D12C83D}"/>
+              </a:ext>
+            </a:extLst>
+          </p:cNvPr>
+          <p:cNvGrpSpPr/>
+          <p:nvPr/>
+        </p:nvGrpSpPr>
+        <p:grpSpPr>
+          <a:xfrm>
+            <a:off x="2555776" y="3836"/>
+            <a:ext cx="4572000" cy="6858000"/>
+            <a:chOff x="2555776" y="3836"/>
+            <a:chExt cx="4572000" cy="6858000"/>
+          </a:xfrm>
+        </p:grpSpPr>
+        <p:pic>
+          <p:nvPicPr>
+            <p:cNvPr id="3" name="그림 2" descr="하늘, 야외, 일몰, 낮이(가) 표시된 사진&#10;&#10;자동 생성된 설명">
+              <a:extLst>
+                <a:ext uri="{FF2B5EF4-FFF2-40B4-BE49-F238E27FC236}">
+                  <a16:creationId xmlns:a16="http://schemas.microsoft.com/office/drawing/2014/main" id="{A9881614-905E-5724-DF14-543A6CEA5231}"/>
+                </a:ext>
+              </a:extLst>
+            </p:cNvPr>
+            <p:cNvPicPr>
+              <a:picLocks noChangeAspect="1"/>
+            </p:cNvPicPr>
+            <p:nvPr/>
+          </p:nvPicPr>
+          <p:blipFill>
+            <a:blip r:embed="rId2" cstate="print">
+              <a:extLst>
+                <a:ext uri="{28A0092B-C50C-407E-A947-70E740481C1C}">
+                  <a14:useLocalDpi xmlns:a14="http://schemas.microsoft.com/office/drawing/2010/main" val="0"/>
+                </a:ext>
+              </a:extLst>
+            </a:blip>
+            <a:stretch>
+              <a:fillRect/>
+            </a:stretch>
+          </p:blipFill>
+          <p:spPr>
+            <a:xfrm>
+              <a:off x="2555776" y="3836"/>
+              <a:ext cx="4572000" cy="6858000"/>
+            </a:xfrm>
+            <a:prstGeom prst="rect">
+              <a:avLst/>
+            </a:prstGeom>
+          </p:spPr>
+        </p:pic>
+        <p:pic>
+          <p:nvPicPr>
+            <p:cNvPr id="5" name="그림 4" descr="텍스트이(가) 표시된 사진&#10;&#10;자동 생성된 설명">
+              <a:extLst>
+                <a:ext uri="{FF2B5EF4-FFF2-40B4-BE49-F238E27FC236}">
+                  <a16:creationId xmlns:a16="http://schemas.microsoft.com/office/drawing/2014/main" id="{88DAA0EC-1EE3-4681-C1FD-BBA177791CA0}"/>
+                </a:ext>
+              </a:extLst>
+            </p:cNvPr>
+            <p:cNvPicPr>
+              <a:picLocks noChangeAspect="1"/>
+            </p:cNvPicPr>
+            <p:nvPr/>
+          </p:nvPicPr>
+          <p:blipFill>
+            <a:blip r:embed="rId3" cstate="print">
+              <a:extLst>
+                <a:ext uri="{28A0092B-C50C-407E-A947-70E740481C1C}">
+                  <a14:useLocalDpi xmlns:a14="http://schemas.microsoft.com/office/drawing/2010/main" val="0"/>
+                </a:ext>
+              </a:extLst>
+            </a:blip>
+            <a:stretch>
+              <a:fillRect/>
+            </a:stretch>
+          </p:blipFill>
+          <p:spPr>
+            <a:xfrm>
+              <a:off x="2945408" y="2060848"/>
+              <a:ext cx="3669771" cy="1091227"/>
+            </a:xfrm>
+            <a:prstGeom prst="rect">
+              <a:avLst/>
+            </a:prstGeom>
+          </p:spPr>
+        </p:pic>
+        <p:pic>
+          <p:nvPicPr>
+            <p:cNvPr id="7" name="그림 6" descr="텍스트이(가) 표시된 사진&#10;&#10;자동 생성된 설명">
+              <a:extLst>
+                <a:ext uri="{FF2B5EF4-FFF2-40B4-BE49-F238E27FC236}">
+                  <a16:creationId xmlns:a16="http://schemas.microsoft.com/office/drawing/2014/main" id="{26E7229E-271A-20AE-7E13-0592CAB23C4E}"/>
+                </a:ext>
+              </a:extLst>
+            </p:cNvPr>
+            <p:cNvPicPr>
+              <a:picLocks noChangeAspect="1"/>
+            </p:cNvPicPr>
+            <p:nvPr/>
+          </p:nvPicPr>
+          <p:blipFill>
+            <a:blip r:embed="rId4" cstate="print">
+              <a:extLst>
+                <a:ext uri="{28A0092B-C50C-407E-A947-70E740481C1C}">
+                  <a14:useLocalDpi xmlns:a14="http://schemas.microsoft.com/office/drawing/2010/main" val="0"/>
+                </a:ext>
+              </a:extLst>
+            </a:blip>
+            <a:stretch>
+              <a:fillRect/>
+            </a:stretch>
+          </p:blipFill>
+          <p:spPr>
+            <a:xfrm>
+              <a:off x="3491029" y="3076483"/>
+              <a:ext cx="2678112" cy="704670"/>
+            </a:xfrm>
+            <a:prstGeom prst="rect">
+              <a:avLst/>
+            </a:prstGeom>
+          </p:spPr>
+        </p:pic>
+      </p:grpSp>
+    </p:spTree>
+    <p:extLst>
+      <p:ext uri="{BB962C8B-B14F-4D97-AF65-F5344CB8AC3E}">
+        <p14:creationId xmlns:p14="http://schemas.microsoft.com/office/powerpoint/2010/main" val="1045097480"/>
+      </p:ext>
+    </p:extLst>
+  </p:cSld>
+  <p:clrMapOvr>
+    <a:masterClrMapping/>
+  </p:clrMapOvr>
+</p:sld>
+</file>
+
 <file path=ppt/theme/theme1.xml><?xml version="1.0" encoding="utf-8"?>
 <a:theme xmlns:a="http://schemas.openxmlformats.org/drawingml/2006/main" name="Office 테마">
   <a:themeElements>

--- a/제작/로고 제작.pptx
+++ b/제작/로고 제작.pptx
@@ -112,7 +112,7 @@
   </p:defaultTextStyle>
   <p:extLst>
     <p:ext uri="{EFAFB233-063F-42B5-8137-9DF3F51BA10A}">
-      <p15:sldGuideLst xmlns:p15="http://schemas.microsoft.com/office/powerpoint/2012/main">
+      <p15:sldGuideLst xmlns:p15="http://schemas.microsoft.com/office/powerpoint/2012/main" xmlns="">
         <p15:guide id="1" orient="horz" pos="2160">
           <p15:clr>
             <a:srgbClr val="A4A3A4"/>
@@ -3101,7 +3101,7 @@
           <p:cNvPr id="7" name="그룹 6">
             <a:extLst>
               <a:ext uri="{FF2B5EF4-FFF2-40B4-BE49-F238E27FC236}">
-                <a16:creationId xmlns:a16="http://schemas.microsoft.com/office/drawing/2014/main" id="{EE9D1389-34DA-8D84-23E0-272A0165F42E}"/>
+                <a16:creationId xmlns:a16="http://schemas.microsoft.com/office/drawing/2014/main" xmlns="" id="{EE9D1389-34DA-8D84-23E0-272A0165F42E}"/>
               </a:ext>
             </a:extLst>
           </p:cNvPr>
@@ -3204,7 +3204,7 @@
           <p:cNvPr id="2" name="그룹 1">
             <a:extLst>
               <a:ext uri="{FF2B5EF4-FFF2-40B4-BE49-F238E27FC236}">
-                <a16:creationId xmlns:a16="http://schemas.microsoft.com/office/drawing/2014/main" id="{05E13175-AD81-B568-4F60-6D43ECD6B3CD}"/>
+                <a16:creationId xmlns:a16="http://schemas.microsoft.com/office/drawing/2014/main" xmlns="" id="{05E13175-AD81-B568-4F60-6D43ECD6B3CD}"/>
               </a:ext>
             </a:extLst>
           </p:cNvPr>
@@ -3224,7 +3224,7 @@
             <p:cNvPr id="3" name="그림 2" descr="텍스트, 표지판이(가) 표시된 사진&#10;&#10;자동 생성된 설명">
               <a:extLst>
                 <a:ext uri="{FF2B5EF4-FFF2-40B4-BE49-F238E27FC236}">
-                  <a16:creationId xmlns:a16="http://schemas.microsoft.com/office/drawing/2014/main" id="{F4999627-CC92-27D3-5EA5-2B3032BA8840}"/>
+                  <a16:creationId xmlns:a16="http://schemas.microsoft.com/office/drawing/2014/main" xmlns="" id="{F4999627-CC92-27D3-5EA5-2B3032BA8840}"/>
                 </a:ext>
               </a:extLst>
             </p:cNvPr>
@@ -3260,7 +3260,7 @@
             <p:cNvPr id="4" name="그림 3" descr="텍스트, 클립아트이(가) 표시된 사진&#10;&#10;자동 생성된 설명">
               <a:extLst>
                 <a:ext uri="{FF2B5EF4-FFF2-40B4-BE49-F238E27FC236}">
-                  <a16:creationId xmlns:a16="http://schemas.microsoft.com/office/drawing/2014/main" id="{40C6B37E-E6F6-4F64-A3BC-4132F835F955}"/>
+                  <a16:creationId xmlns:a16="http://schemas.microsoft.com/office/drawing/2014/main" xmlns="" id="{40C6B37E-E6F6-4F64-A3BC-4132F835F955}"/>
                 </a:ext>
               </a:extLst>
             </p:cNvPr>
@@ -3327,7 +3327,7 @@
           <p:cNvPr id="8" name="그림 7" descr="화이트이(가) 표시된 사진&#10;&#10;자동 생성된 설명">
             <a:extLst>
               <a:ext uri="{FF2B5EF4-FFF2-40B4-BE49-F238E27FC236}">
-                <a16:creationId xmlns:a16="http://schemas.microsoft.com/office/drawing/2014/main" id="{8D8F2F08-7A61-02F6-2AE9-6EAFEADB346D}"/>
+                <a16:creationId xmlns:a16="http://schemas.microsoft.com/office/drawing/2014/main" xmlns="" id="{8D8F2F08-7A61-02F6-2AE9-6EAFEADB346D}"/>
               </a:ext>
             </a:extLst>
           </p:cNvPr>
@@ -3422,7 +3422,7 @@
           <p:cNvPr id="2" name="TextBox 1">
             <a:extLst>
               <a:ext uri="{FF2B5EF4-FFF2-40B4-BE49-F238E27FC236}">
-                <a16:creationId xmlns:a16="http://schemas.microsoft.com/office/drawing/2014/main" id="{6F3C571F-367F-30A4-BAB3-93EB53214B16}"/>
+                <a16:creationId xmlns:a16="http://schemas.microsoft.com/office/drawing/2014/main" xmlns="" id="{6F3C571F-367F-30A4-BAB3-93EB53214B16}"/>
               </a:ext>
             </a:extLst>
           </p:cNvPr>
@@ -3511,7 +3511,7 @@
           <p:cNvPr id="3" name="TextBox 2">
             <a:extLst>
               <a:ext uri="{FF2B5EF4-FFF2-40B4-BE49-F238E27FC236}">
-                <a16:creationId xmlns:a16="http://schemas.microsoft.com/office/drawing/2014/main" id="{678D8CA6-8D34-2295-5495-BB7A0E13CCD3}"/>
+                <a16:creationId xmlns:a16="http://schemas.microsoft.com/office/drawing/2014/main" xmlns="" id="{678D8CA6-8D34-2295-5495-BB7A0E13CCD3}"/>
               </a:ext>
             </a:extLst>
           </p:cNvPr>
@@ -3609,7 +3609,7 @@
           <p:cNvPr id="5" name="TextBox 4">
             <a:extLst>
               <a:ext uri="{FF2B5EF4-FFF2-40B4-BE49-F238E27FC236}">
-                <a16:creationId xmlns:a16="http://schemas.microsoft.com/office/drawing/2014/main" id="{BBFA9EFC-A0A8-B927-46F3-D72460476307}"/>
+                <a16:creationId xmlns:a16="http://schemas.microsoft.com/office/drawing/2014/main" xmlns="" id="{BBFA9EFC-A0A8-B927-46F3-D72460476307}"/>
               </a:ext>
             </a:extLst>
           </p:cNvPr>
@@ -3693,7 +3693,7 @@
           <p:cNvPr id="6" name="그룹 5">
             <a:extLst>
               <a:ext uri="{FF2B5EF4-FFF2-40B4-BE49-F238E27FC236}">
-                <a16:creationId xmlns:a16="http://schemas.microsoft.com/office/drawing/2014/main" id="{4F3DB6A6-9E89-6B19-E127-D10B92C215E3}"/>
+                <a16:creationId xmlns:a16="http://schemas.microsoft.com/office/drawing/2014/main" xmlns="" id="{4F3DB6A6-9E89-6B19-E127-D10B92C215E3}"/>
               </a:ext>
             </a:extLst>
           </p:cNvPr>
@@ -3713,7 +3713,7 @@
             <p:cNvPr id="3" name="그림 2" descr="로고이(가) 표시된 사진&#10;&#10;자동 생성된 설명">
               <a:extLst>
                 <a:ext uri="{FF2B5EF4-FFF2-40B4-BE49-F238E27FC236}">
-                  <a16:creationId xmlns:a16="http://schemas.microsoft.com/office/drawing/2014/main" id="{69F31C98-B301-5EFD-15E3-FBAEE596ACAB}"/>
+                  <a16:creationId xmlns:a16="http://schemas.microsoft.com/office/drawing/2014/main" xmlns="" id="{69F31C98-B301-5EFD-15E3-FBAEE596ACAB}"/>
                 </a:ext>
               </a:extLst>
             </p:cNvPr>
@@ -3749,7 +3749,7 @@
             <p:cNvPr id="5" name="그림 4" descr="텍스트이(가) 표시된 사진&#10;&#10;자동 생성된 설명">
               <a:extLst>
                 <a:ext uri="{FF2B5EF4-FFF2-40B4-BE49-F238E27FC236}">
-                  <a16:creationId xmlns:a16="http://schemas.microsoft.com/office/drawing/2014/main" id="{0D2233CE-BB1C-B51D-14EB-D392011364F5}"/>
+                  <a16:creationId xmlns:a16="http://schemas.microsoft.com/office/drawing/2014/main" xmlns="" id="{0D2233CE-BB1C-B51D-14EB-D392011364F5}"/>
                 </a:ext>
               </a:extLst>
             </p:cNvPr>
@@ -3785,7 +3785,7 @@
           <p:cNvPr id="9" name="TextBox 8">
             <a:extLst>
               <a:ext uri="{FF2B5EF4-FFF2-40B4-BE49-F238E27FC236}">
-                <a16:creationId xmlns:a16="http://schemas.microsoft.com/office/drawing/2014/main" id="{7FF76018-CBB5-F802-6C3E-D71B6BB4BA03}"/>
+                <a16:creationId xmlns:a16="http://schemas.microsoft.com/office/drawing/2014/main" xmlns="" id="{7FF76018-CBB5-F802-6C3E-D71B6BB4BA03}"/>
               </a:ext>
             </a:extLst>
           </p:cNvPr>
@@ -3904,7 +3904,7 @@
           <p:cNvPr id="8" name="그룹 7">
             <a:extLst>
               <a:ext uri="{FF2B5EF4-FFF2-40B4-BE49-F238E27FC236}">
-                <a16:creationId xmlns:a16="http://schemas.microsoft.com/office/drawing/2014/main" id="{2E9B68B5-99D4-F955-5227-040C1D12C83D}"/>
+                <a16:creationId xmlns:a16="http://schemas.microsoft.com/office/drawing/2014/main" xmlns="" id="{2E9B68B5-99D4-F955-5227-040C1D12C83D}"/>
               </a:ext>
             </a:extLst>
           </p:cNvPr>
@@ -3924,7 +3924,7 @@
             <p:cNvPr id="3" name="그림 2" descr="하늘, 야외, 일몰, 낮이(가) 표시된 사진&#10;&#10;자동 생성된 설명">
               <a:extLst>
                 <a:ext uri="{FF2B5EF4-FFF2-40B4-BE49-F238E27FC236}">
-                  <a16:creationId xmlns:a16="http://schemas.microsoft.com/office/drawing/2014/main" id="{A9881614-905E-5724-DF14-543A6CEA5231}"/>
+                  <a16:creationId xmlns:a16="http://schemas.microsoft.com/office/drawing/2014/main" xmlns="" id="{A9881614-905E-5724-DF14-543A6CEA5231}"/>
                 </a:ext>
               </a:extLst>
             </p:cNvPr>
@@ -3960,7 +3960,7 @@
             <p:cNvPr id="5" name="그림 4" descr="텍스트이(가) 표시된 사진&#10;&#10;자동 생성된 설명">
               <a:extLst>
                 <a:ext uri="{FF2B5EF4-FFF2-40B4-BE49-F238E27FC236}">
-                  <a16:creationId xmlns:a16="http://schemas.microsoft.com/office/drawing/2014/main" id="{88DAA0EC-1EE3-4681-C1FD-BBA177791CA0}"/>
+                  <a16:creationId xmlns:a16="http://schemas.microsoft.com/office/drawing/2014/main" xmlns="" id="{88DAA0EC-1EE3-4681-C1FD-BBA177791CA0}"/>
                 </a:ext>
               </a:extLst>
             </p:cNvPr>
@@ -3983,44 +3983,8 @@
           </p:blipFill>
           <p:spPr>
             <a:xfrm>
-              <a:off x="2945408" y="2060848"/>
+              <a:off x="2945408" y="2792035"/>
               <a:ext cx="3669771" cy="1091227"/>
-            </a:xfrm>
-            <a:prstGeom prst="rect">
-              <a:avLst/>
-            </a:prstGeom>
-          </p:spPr>
-        </p:pic>
-        <p:pic>
-          <p:nvPicPr>
-            <p:cNvPr id="7" name="그림 6" descr="텍스트이(가) 표시된 사진&#10;&#10;자동 생성된 설명">
-              <a:extLst>
-                <a:ext uri="{FF2B5EF4-FFF2-40B4-BE49-F238E27FC236}">
-                  <a16:creationId xmlns:a16="http://schemas.microsoft.com/office/drawing/2014/main" id="{26E7229E-271A-20AE-7E13-0592CAB23C4E}"/>
-                </a:ext>
-              </a:extLst>
-            </p:cNvPr>
-            <p:cNvPicPr>
-              <a:picLocks noChangeAspect="1"/>
-            </p:cNvPicPr>
-            <p:nvPr/>
-          </p:nvPicPr>
-          <p:blipFill>
-            <a:blip r:embed="rId4" cstate="print">
-              <a:extLst>
-                <a:ext uri="{28A0092B-C50C-407E-A947-70E740481C1C}">
-                  <a14:useLocalDpi xmlns:a14="http://schemas.microsoft.com/office/drawing/2010/main" val="0"/>
-                </a:ext>
-              </a:extLst>
-            </a:blip>
-            <a:stretch>
-              <a:fillRect/>
-            </a:stretch>
-          </p:blipFill>
-          <p:spPr>
-            <a:xfrm>
-              <a:off x="3491029" y="3076483"/>
-              <a:ext cx="2678112" cy="704670"/>
             </a:xfrm>
             <a:prstGeom prst="rect">
               <a:avLst/>

--- a/제작/로고 제작.pptx
+++ b/제작/로고 제작.pptx
@@ -12,6 +12,8 @@
     <p:sldId id="263" r:id="rId6"/>
     <p:sldId id="264" r:id="rId7"/>
     <p:sldId id="265" r:id="rId8"/>
+    <p:sldId id="266" r:id="rId9"/>
+    <p:sldId id="267" r:id="rId10"/>
   </p:sldIdLst>
   <p:sldSz cx="9144000" cy="6858000" type="screen4x3"/>
   <p:notesSz cx="6858000" cy="9144000"/>
@@ -112,7 +114,7 @@
   </p:defaultTextStyle>
   <p:extLst>
     <p:ext uri="{EFAFB233-063F-42B5-8137-9DF3F51BA10A}">
-      <p15:sldGuideLst xmlns:p15="http://schemas.microsoft.com/office/powerpoint/2012/main" xmlns="">
+      <p15:sldGuideLst xmlns="" xmlns:p15="http://schemas.microsoft.com/office/powerpoint/2012/main">
         <p15:guide id="1" orient="horz" pos="2160">
           <p15:clr>
             <a:srgbClr val="A4A3A4"/>
@@ -308,7 +310,7 @@
           <a:p>
             <a:fld id="{5E89329E-BE11-4AEF-90E2-A0329AC9D4C4}" type="datetimeFigureOut">
               <a:rPr lang="ko-KR" altLang="en-US" smtClean="0"/>
-              <a:t>2023-03-29</a:t>
+              <a:t>2023-03-30</a:t>
             </a:fld>
             <a:endParaRPr lang="ko-KR" altLang="en-US"/>
           </a:p>
@@ -476,7 +478,7 @@
           <a:p>
             <a:fld id="{5E89329E-BE11-4AEF-90E2-A0329AC9D4C4}" type="datetimeFigureOut">
               <a:rPr lang="ko-KR" altLang="en-US" smtClean="0"/>
-              <a:t>2023-03-29</a:t>
+              <a:t>2023-03-30</a:t>
             </a:fld>
             <a:endParaRPr lang="ko-KR" altLang="en-US"/>
           </a:p>
@@ -654,7 +656,7 @@
           <a:p>
             <a:fld id="{5E89329E-BE11-4AEF-90E2-A0329AC9D4C4}" type="datetimeFigureOut">
               <a:rPr lang="ko-KR" altLang="en-US" smtClean="0"/>
-              <a:t>2023-03-29</a:t>
+              <a:t>2023-03-30</a:t>
             </a:fld>
             <a:endParaRPr lang="ko-KR" altLang="en-US"/>
           </a:p>
@@ -822,7 +824,7 @@
           <a:p>
             <a:fld id="{5E89329E-BE11-4AEF-90E2-A0329AC9D4C4}" type="datetimeFigureOut">
               <a:rPr lang="ko-KR" altLang="en-US" smtClean="0"/>
-              <a:t>2023-03-29</a:t>
+              <a:t>2023-03-30</a:t>
             </a:fld>
             <a:endParaRPr lang="ko-KR" altLang="en-US"/>
           </a:p>
@@ -1067,7 +1069,7 @@
           <a:p>
             <a:fld id="{5E89329E-BE11-4AEF-90E2-A0329AC9D4C4}" type="datetimeFigureOut">
               <a:rPr lang="ko-KR" altLang="en-US" smtClean="0"/>
-              <a:t>2023-03-29</a:t>
+              <a:t>2023-03-30</a:t>
             </a:fld>
             <a:endParaRPr lang="ko-KR" altLang="en-US"/>
           </a:p>
@@ -1352,7 +1354,7 @@
           <a:p>
             <a:fld id="{5E89329E-BE11-4AEF-90E2-A0329AC9D4C4}" type="datetimeFigureOut">
               <a:rPr lang="ko-KR" altLang="en-US" smtClean="0"/>
-              <a:t>2023-03-29</a:t>
+              <a:t>2023-03-30</a:t>
             </a:fld>
             <a:endParaRPr lang="ko-KR" altLang="en-US"/>
           </a:p>
@@ -1771,7 +1773,7 @@
           <a:p>
             <a:fld id="{5E89329E-BE11-4AEF-90E2-A0329AC9D4C4}" type="datetimeFigureOut">
               <a:rPr lang="ko-KR" altLang="en-US" smtClean="0"/>
-              <a:t>2023-03-29</a:t>
+              <a:t>2023-03-30</a:t>
             </a:fld>
             <a:endParaRPr lang="ko-KR" altLang="en-US"/>
           </a:p>
@@ -1888,7 +1890,7 @@
           <a:p>
             <a:fld id="{5E89329E-BE11-4AEF-90E2-A0329AC9D4C4}" type="datetimeFigureOut">
               <a:rPr lang="ko-KR" altLang="en-US" smtClean="0"/>
-              <a:t>2023-03-29</a:t>
+              <a:t>2023-03-30</a:t>
             </a:fld>
             <a:endParaRPr lang="ko-KR" altLang="en-US"/>
           </a:p>
@@ -1983,7 +1985,7 @@
           <a:p>
             <a:fld id="{5E89329E-BE11-4AEF-90E2-A0329AC9D4C4}" type="datetimeFigureOut">
               <a:rPr lang="ko-KR" altLang="en-US" smtClean="0"/>
-              <a:t>2023-03-29</a:t>
+              <a:t>2023-03-30</a:t>
             </a:fld>
             <a:endParaRPr lang="ko-KR" altLang="en-US"/>
           </a:p>
@@ -2258,7 +2260,7 @@
           <a:p>
             <a:fld id="{5E89329E-BE11-4AEF-90E2-A0329AC9D4C4}" type="datetimeFigureOut">
               <a:rPr lang="ko-KR" altLang="en-US" smtClean="0"/>
-              <a:t>2023-03-29</a:t>
+              <a:t>2023-03-30</a:t>
             </a:fld>
             <a:endParaRPr lang="ko-KR" altLang="en-US"/>
           </a:p>
@@ -2510,7 +2512,7 @@
           <a:p>
             <a:fld id="{5E89329E-BE11-4AEF-90E2-A0329AC9D4C4}" type="datetimeFigureOut">
               <a:rPr lang="ko-KR" altLang="en-US" smtClean="0"/>
-              <a:t>2023-03-29</a:t>
+              <a:t>2023-03-30</a:t>
             </a:fld>
             <a:endParaRPr lang="ko-KR" altLang="en-US"/>
           </a:p>
@@ -2721,7 +2723,7 @@
           <a:p>
             <a:fld id="{5E89329E-BE11-4AEF-90E2-A0329AC9D4C4}" type="datetimeFigureOut">
               <a:rPr lang="ko-KR" altLang="en-US" smtClean="0"/>
-              <a:t>2023-03-29</a:t>
+              <a:t>2023-03-30</a:t>
             </a:fld>
             <a:endParaRPr lang="ko-KR" altLang="en-US"/>
           </a:p>
@@ -3101,7 +3103,7 @@
           <p:cNvPr id="7" name="그룹 6">
             <a:extLst>
               <a:ext uri="{FF2B5EF4-FFF2-40B4-BE49-F238E27FC236}">
-                <a16:creationId xmlns:a16="http://schemas.microsoft.com/office/drawing/2014/main" xmlns="" id="{EE9D1389-34DA-8D84-23E0-272A0165F42E}"/>
+                <a16:creationId xmlns="" xmlns:a16="http://schemas.microsoft.com/office/drawing/2014/main" id="{EE9D1389-34DA-8D84-23E0-272A0165F42E}"/>
               </a:ext>
             </a:extLst>
           </p:cNvPr>
@@ -3204,7 +3206,7 @@
           <p:cNvPr id="2" name="그룹 1">
             <a:extLst>
               <a:ext uri="{FF2B5EF4-FFF2-40B4-BE49-F238E27FC236}">
-                <a16:creationId xmlns:a16="http://schemas.microsoft.com/office/drawing/2014/main" xmlns="" id="{05E13175-AD81-B568-4F60-6D43ECD6B3CD}"/>
+                <a16:creationId xmlns="" xmlns:a16="http://schemas.microsoft.com/office/drawing/2014/main" id="{05E13175-AD81-B568-4F60-6D43ECD6B3CD}"/>
               </a:ext>
             </a:extLst>
           </p:cNvPr>
@@ -3224,7 +3226,7 @@
             <p:cNvPr id="3" name="그림 2" descr="텍스트, 표지판이(가) 표시된 사진&#10;&#10;자동 생성된 설명">
               <a:extLst>
                 <a:ext uri="{FF2B5EF4-FFF2-40B4-BE49-F238E27FC236}">
-                  <a16:creationId xmlns:a16="http://schemas.microsoft.com/office/drawing/2014/main" xmlns="" id="{F4999627-CC92-27D3-5EA5-2B3032BA8840}"/>
+                  <a16:creationId xmlns="" xmlns:a16="http://schemas.microsoft.com/office/drawing/2014/main" id="{F4999627-CC92-27D3-5EA5-2B3032BA8840}"/>
                 </a:ext>
               </a:extLst>
             </p:cNvPr>
@@ -3260,7 +3262,7 @@
             <p:cNvPr id="4" name="그림 3" descr="텍스트, 클립아트이(가) 표시된 사진&#10;&#10;자동 생성된 설명">
               <a:extLst>
                 <a:ext uri="{FF2B5EF4-FFF2-40B4-BE49-F238E27FC236}">
-                  <a16:creationId xmlns:a16="http://schemas.microsoft.com/office/drawing/2014/main" xmlns="" id="{40C6B37E-E6F6-4F64-A3BC-4132F835F955}"/>
+                  <a16:creationId xmlns="" xmlns:a16="http://schemas.microsoft.com/office/drawing/2014/main" id="{40C6B37E-E6F6-4F64-A3BC-4132F835F955}"/>
                 </a:ext>
               </a:extLst>
             </p:cNvPr>
@@ -3327,7 +3329,7 @@
           <p:cNvPr id="8" name="그림 7" descr="화이트이(가) 표시된 사진&#10;&#10;자동 생성된 설명">
             <a:extLst>
               <a:ext uri="{FF2B5EF4-FFF2-40B4-BE49-F238E27FC236}">
-                <a16:creationId xmlns:a16="http://schemas.microsoft.com/office/drawing/2014/main" xmlns="" id="{8D8F2F08-7A61-02F6-2AE9-6EAFEADB346D}"/>
+                <a16:creationId xmlns="" xmlns:a16="http://schemas.microsoft.com/office/drawing/2014/main" id="{8D8F2F08-7A61-02F6-2AE9-6EAFEADB346D}"/>
               </a:ext>
             </a:extLst>
           </p:cNvPr>
@@ -3422,7 +3424,7 @@
           <p:cNvPr id="2" name="TextBox 1">
             <a:extLst>
               <a:ext uri="{FF2B5EF4-FFF2-40B4-BE49-F238E27FC236}">
-                <a16:creationId xmlns:a16="http://schemas.microsoft.com/office/drawing/2014/main" xmlns="" id="{6F3C571F-367F-30A4-BAB3-93EB53214B16}"/>
+                <a16:creationId xmlns="" xmlns:a16="http://schemas.microsoft.com/office/drawing/2014/main" id="{6F3C571F-367F-30A4-BAB3-93EB53214B16}"/>
               </a:ext>
             </a:extLst>
           </p:cNvPr>
@@ -3511,7 +3513,7 @@
           <p:cNvPr id="3" name="TextBox 2">
             <a:extLst>
               <a:ext uri="{FF2B5EF4-FFF2-40B4-BE49-F238E27FC236}">
-                <a16:creationId xmlns:a16="http://schemas.microsoft.com/office/drawing/2014/main" xmlns="" id="{678D8CA6-8D34-2295-5495-BB7A0E13CCD3}"/>
+                <a16:creationId xmlns="" xmlns:a16="http://schemas.microsoft.com/office/drawing/2014/main" id="{678D8CA6-8D34-2295-5495-BB7A0E13CCD3}"/>
               </a:ext>
             </a:extLst>
           </p:cNvPr>
@@ -3609,7 +3611,7 @@
           <p:cNvPr id="5" name="TextBox 4">
             <a:extLst>
               <a:ext uri="{FF2B5EF4-FFF2-40B4-BE49-F238E27FC236}">
-                <a16:creationId xmlns:a16="http://schemas.microsoft.com/office/drawing/2014/main" xmlns="" id="{BBFA9EFC-A0A8-B927-46F3-D72460476307}"/>
+                <a16:creationId xmlns="" xmlns:a16="http://schemas.microsoft.com/office/drawing/2014/main" id="{BBFA9EFC-A0A8-B927-46F3-D72460476307}"/>
               </a:ext>
             </a:extLst>
           </p:cNvPr>
@@ -3693,7 +3695,7 @@
           <p:cNvPr id="6" name="그룹 5">
             <a:extLst>
               <a:ext uri="{FF2B5EF4-FFF2-40B4-BE49-F238E27FC236}">
-                <a16:creationId xmlns:a16="http://schemas.microsoft.com/office/drawing/2014/main" xmlns="" id="{4F3DB6A6-9E89-6B19-E127-D10B92C215E3}"/>
+                <a16:creationId xmlns="" xmlns:a16="http://schemas.microsoft.com/office/drawing/2014/main" id="{4F3DB6A6-9E89-6B19-E127-D10B92C215E3}"/>
               </a:ext>
             </a:extLst>
           </p:cNvPr>
@@ -3713,7 +3715,7 @@
             <p:cNvPr id="3" name="그림 2" descr="로고이(가) 표시된 사진&#10;&#10;자동 생성된 설명">
               <a:extLst>
                 <a:ext uri="{FF2B5EF4-FFF2-40B4-BE49-F238E27FC236}">
-                  <a16:creationId xmlns:a16="http://schemas.microsoft.com/office/drawing/2014/main" xmlns="" id="{69F31C98-B301-5EFD-15E3-FBAEE596ACAB}"/>
+                  <a16:creationId xmlns="" xmlns:a16="http://schemas.microsoft.com/office/drawing/2014/main" id="{69F31C98-B301-5EFD-15E3-FBAEE596ACAB}"/>
                 </a:ext>
               </a:extLst>
             </p:cNvPr>
@@ -3749,7 +3751,7 @@
             <p:cNvPr id="5" name="그림 4" descr="텍스트이(가) 표시된 사진&#10;&#10;자동 생성된 설명">
               <a:extLst>
                 <a:ext uri="{FF2B5EF4-FFF2-40B4-BE49-F238E27FC236}">
-                  <a16:creationId xmlns:a16="http://schemas.microsoft.com/office/drawing/2014/main" xmlns="" id="{0D2233CE-BB1C-B51D-14EB-D392011364F5}"/>
+                  <a16:creationId xmlns="" xmlns:a16="http://schemas.microsoft.com/office/drawing/2014/main" id="{0D2233CE-BB1C-B51D-14EB-D392011364F5}"/>
                 </a:ext>
               </a:extLst>
             </p:cNvPr>
@@ -3785,7 +3787,7 @@
           <p:cNvPr id="9" name="TextBox 8">
             <a:extLst>
               <a:ext uri="{FF2B5EF4-FFF2-40B4-BE49-F238E27FC236}">
-                <a16:creationId xmlns:a16="http://schemas.microsoft.com/office/drawing/2014/main" xmlns="" id="{7FF76018-CBB5-F802-6C3E-D71B6BB4BA03}"/>
+                <a16:creationId xmlns="" xmlns:a16="http://schemas.microsoft.com/office/drawing/2014/main" id="{7FF76018-CBB5-F802-6C3E-D71B6BB4BA03}"/>
               </a:ext>
             </a:extLst>
           </p:cNvPr>
@@ -3904,7 +3906,7 @@
           <p:cNvPr id="8" name="그룹 7">
             <a:extLst>
               <a:ext uri="{FF2B5EF4-FFF2-40B4-BE49-F238E27FC236}">
-                <a16:creationId xmlns:a16="http://schemas.microsoft.com/office/drawing/2014/main" xmlns="" id="{2E9B68B5-99D4-F955-5227-040C1D12C83D}"/>
+                <a16:creationId xmlns="" xmlns:a16="http://schemas.microsoft.com/office/drawing/2014/main" id="{2E9B68B5-99D4-F955-5227-040C1D12C83D}"/>
               </a:ext>
             </a:extLst>
           </p:cNvPr>
@@ -3924,7 +3926,7 @@
             <p:cNvPr id="3" name="그림 2" descr="하늘, 야외, 일몰, 낮이(가) 표시된 사진&#10;&#10;자동 생성된 설명">
               <a:extLst>
                 <a:ext uri="{FF2B5EF4-FFF2-40B4-BE49-F238E27FC236}">
-                  <a16:creationId xmlns:a16="http://schemas.microsoft.com/office/drawing/2014/main" xmlns="" id="{A9881614-905E-5724-DF14-543A6CEA5231}"/>
+                  <a16:creationId xmlns="" xmlns:a16="http://schemas.microsoft.com/office/drawing/2014/main" id="{A9881614-905E-5724-DF14-543A6CEA5231}"/>
                 </a:ext>
               </a:extLst>
             </p:cNvPr>
@@ -3960,7 +3962,7 @@
             <p:cNvPr id="5" name="그림 4" descr="텍스트이(가) 표시된 사진&#10;&#10;자동 생성된 설명">
               <a:extLst>
                 <a:ext uri="{FF2B5EF4-FFF2-40B4-BE49-F238E27FC236}">
-                  <a16:creationId xmlns:a16="http://schemas.microsoft.com/office/drawing/2014/main" xmlns="" id="{88DAA0EC-1EE3-4681-C1FD-BBA177791CA0}"/>
+                  <a16:creationId xmlns="" xmlns:a16="http://schemas.microsoft.com/office/drawing/2014/main" id="{88DAA0EC-1EE3-4681-C1FD-BBA177791CA0}"/>
                 </a:ext>
               </a:extLst>
             </p:cNvPr>
@@ -3996,6 +3998,270 @@
     <p:extLst>
       <p:ext uri="{BB962C8B-B14F-4D97-AF65-F5344CB8AC3E}">
         <p14:creationId xmlns:p14="http://schemas.microsoft.com/office/powerpoint/2010/main" val="1045097480"/>
+      </p:ext>
+    </p:extLst>
+  </p:cSld>
+  <p:clrMapOvr>
+    <a:masterClrMapping/>
+  </p:clrMapOvr>
+</p:sld>
+</file>
+
+<file path=ppt/slides/slide8.xml><?xml version="1.0" encoding="utf-8"?>
+<p:sld xmlns:a="http://schemas.openxmlformats.org/drawingml/2006/main" xmlns:r="http://schemas.openxmlformats.org/officeDocument/2006/relationships" xmlns:p="http://schemas.openxmlformats.org/presentationml/2006/main">
+  <p:cSld>
+    <p:bg>
+      <p:bgPr>
+        <a:solidFill>
+          <a:schemeClr val="bg1"/>
+        </a:solidFill>
+        <a:effectLst/>
+      </p:bgPr>
+    </p:bg>
+    <p:spTree>
+      <p:nvGrpSpPr>
+        <p:cNvPr id="1" name=""/>
+        <p:cNvGrpSpPr/>
+        <p:nvPr/>
+      </p:nvGrpSpPr>
+      <p:grpSpPr>
+        <a:xfrm>
+          <a:off x="0" y="0"/>
+          <a:ext cx="0" cy="0"/>
+          <a:chOff x="0" y="0"/>
+          <a:chExt cx="0" cy="0"/>
+        </a:xfrm>
+      </p:grpSpPr>
+      <p:pic>
+        <p:nvPicPr>
+          <p:cNvPr id="1027" name="Picture 3" descr="C:\Users\5-7\Downloads\V369_0 _ 프로젝트 기술서.png"/>
+          <p:cNvPicPr>
+            <a:picLocks noChangeAspect="1" noChangeArrowheads="1"/>
+          </p:cNvPicPr>
+          <p:nvPr/>
+        </p:nvPicPr>
+        <p:blipFill rotWithShape="1">
+          <a:blip r:embed="rId2">
+            <a:extLst>
+              <a:ext uri="{28A0092B-C50C-407E-A947-70E740481C1C}">
+                <a14:useLocalDpi xmlns:a14="http://schemas.microsoft.com/office/drawing/2010/main" val="0"/>
+              </a:ext>
+            </a:extLst>
+          </a:blip>
+          <a:srcRect l="6666" t="10000" r="47083" b="10740"/>
+          <a:stretch/>
+        </p:blipFill>
+        <p:spPr bwMode="auto">
+          <a:xfrm>
+            <a:off x="1547664" y="1844824"/>
+            <a:ext cx="4229100" cy="4076700"/>
+          </a:xfrm>
+          <a:prstGeom prst="rect">
+            <a:avLst/>
+          </a:prstGeom>
+          <a:noFill/>
+          <a:extLst>
+            <a:ext uri="{909E8E84-426E-40DD-AFC4-6F175D3DCCD1}">
+              <a14:hiddenFill xmlns:a14="http://schemas.microsoft.com/office/drawing/2010/main">
+                <a:solidFill>
+                  <a:srgbClr val="FFFFFF"/>
+                </a:solidFill>
+              </a14:hiddenFill>
+            </a:ext>
+          </a:extLst>
+        </p:spPr>
+      </p:pic>
+    </p:spTree>
+    <p:extLst>
+      <p:ext uri="{BB962C8B-B14F-4D97-AF65-F5344CB8AC3E}">
+        <p14:creationId xmlns:p14="http://schemas.microsoft.com/office/powerpoint/2010/main" val="3195158854"/>
+      </p:ext>
+    </p:extLst>
+  </p:cSld>
+  <p:clrMapOvr>
+    <a:masterClrMapping/>
+  </p:clrMapOvr>
+</p:sld>
+</file>
+
+<file path=ppt/slides/slide9.xml><?xml version="1.0" encoding="utf-8"?>
+<p:sld xmlns:a="http://schemas.openxmlformats.org/drawingml/2006/main" xmlns:r="http://schemas.openxmlformats.org/officeDocument/2006/relationships" xmlns:p="http://schemas.openxmlformats.org/presentationml/2006/main">
+  <p:cSld>
+    <p:spTree>
+      <p:nvGrpSpPr>
+        <p:cNvPr id="1" name=""/>
+        <p:cNvGrpSpPr/>
+        <p:nvPr/>
+      </p:nvGrpSpPr>
+      <p:grpSpPr>
+        <a:xfrm>
+          <a:off x="0" y="0"/>
+          <a:ext cx="0" cy="0"/>
+          <a:chOff x="0" y="0"/>
+          <a:chExt cx="0" cy="0"/>
+        </a:xfrm>
+      </p:grpSpPr>
+      <p:pic>
+        <p:nvPicPr>
+          <p:cNvPr id="2" name="그림 1" descr="텍스트이(가) 표시된 사진&#10;&#10;자동 생성된 설명">
+            <a:extLst>
+              <a:ext uri="{FF2B5EF4-FFF2-40B4-BE49-F238E27FC236}">
+                <a16:creationId xmlns="" xmlns:a16="http://schemas.microsoft.com/office/drawing/2014/main" id="{88DAA0EC-1EE3-4681-C1FD-BBA177791CA0}"/>
+              </a:ext>
+            </a:extLst>
+          </p:cNvPr>
+          <p:cNvPicPr>
+            <a:picLocks noChangeAspect="1"/>
+          </p:cNvPicPr>
+          <p:nvPr/>
+        </p:nvPicPr>
+        <p:blipFill>
+          <a:blip r:embed="rId2" cstate="print">
+            <a:extLst>
+              <a:ext uri="{28A0092B-C50C-407E-A947-70E740481C1C}">
+                <a14:useLocalDpi xmlns:a14="http://schemas.microsoft.com/office/drawing/2010/main" val="0"/>
+              </a:ext>
+            </a:extLst>
+          </a:blip>
+          <a:stretch>
+            <a:fillRect/>
+          </a:stretch>
+        </p:blipFill>
+        <p:spPr>
+          <a:xfrm>
+            <a:off x="2945408" y="2792035"/>
+            <a:ext cx="3669771" cy="1091227"/>
+          </a:xfrm>
+          <a:prstGeom prst="rect">
+            <a:avLst/>
+          </a:prstGeom>
+        </p:spPr>
+      </p:pic>
+      <p:pic>
+        <p:nvPicPr>
+          <p:cNvPr id="4" name="그림 3" descr="하늘, 야외, 일몰, 낮이(가) 표시된 사진&#10;&#10;자동 생성된 설명">
+            <a:extLst>
+              <a:ext uri="{FF2B5EF4-FFF2-40B4-BE49-F238E27FC236}">
+                <a16:creationId xmlns="" xmlns:a16="http://schemas.microsoft.com/office/drawing/2014/main" id="{A9881614-905E-5724-DF14-543A6CEA5231}"/>
+              </a:ext>
+            </a:extLst>
+          </p:cNvPr>
+          <p:cNvPicPr>
+            <a:picLocks noChangeAspect="1"/>
+          </p:cNvPicPr>
+          <p:nvPr/>
+        </p:nvPicPr>
+        <p:blipFill>
+          <a:blip r:embed="rId3" cstate="print">
+            <a:extLst>
+              <a:ext uri="{28A0092B-C50C-407E-A947-70E740481C1C}">
+                <a14:useLocalDpi xmlns:a14="http://schemas.microsoft.com/office/drawing/2010/main" val="0"/>
+              </a:ext>
+            </a:extLst>
+          </a:blip>
+          <a:stretch>
+            <a:fillRect/>
+          </a:stretch>
+        </p:blipFill>
+        <p:spPr>
+          <a:xfrm>
+            <a:off x="2555776" y="3836"/>
+            <a:ext cx="4572000" cy="6858000"/>
+          </a:xfrm>
+          <a:prstGeom prst="rect">
+            <a:avLst/>
+          </a:prstGeom>
+        </p:spPr>
+      </p:pic>
+      <p:grpSp>
+        <p:nvGrpSpPr>
+          <p:cNvPr id="7" name="그룹 6"/>
+          <p:cNvGrpSpPr/>
+          <p:nvPr/>
+        </p:nvGrpSpPr>
+        <p:grpSpPr>
+          <a:xfrm>
+            <a:off x="3042247" y="764704"/>
+            <a:ext cx="1767179" cy="1102334"/>
+            <a:chOff x="3042247" y="764704"/>
+            <a:chExt cx="1767179" cy="1102334"/>
+          </a:xfrm>
+        </p:grpSpPr>
+        <p:pic>
+          <p:nvPicPr>
+            <p:cNvPr id="5" name="그림 4" descr="텍스트이(가) 표시된 사진&#10;&#10;자동 생성된 설명">
+              <a:extLst>
+                <a:ext uri="{FF2B5EF4-FFF2-40B4-BE49-F238E27FC236}">
+                  <a16:creationId xmlns="" xmlns:a16="http://schemas.microsoft.com/office/drawing/2014/main" id="{88DAA0EC-1EE3-4681-C1FD-BBA177791CA0}"/>
+                </a:ext>
+              </a:extLst>
+            </p:cNvPr>
+            <p:cNvPicPr>
+              <a:picLocks noChangeAspect="1"/>
+            </p:cNvPicPr>
+            <p:nvPr/>
+          </p:nvPicPr>
+          <p:blipFill rotWithShape="1">
+            <a:blip r:embed="rId2" cstate="print">
+              <a:extLst>
+                <a:ext uri="{28A0092B-C50C-407E-A947-70E740481C1C}">
+                  <a14:useLocalDpi xmlns:a14="http://schemas.microsoft.com/office/drawing/2010/main" val="0"/>
+                </a:ext>
+              </a:extLst>
+            </a:blip>
+            <a:srcRect r="77479"/>
+            <a:stretch/>
+          </p:blipFill>
+          <p:spPr>
+            <a:xfrm>
+              <a:off x="3042247" y="775811"/>
+              <a:ext cx="826491" cy="1091227"/>
+            </a:xfrm>
+            <a:prstGeom prst="rect">
+              <a:avLst/>
+            </a:prstGeom>
+          </p:spPr>
+        </p:pic>
+        <p:pic>
+          <p:nvPicPr>
+            <p:cNvPr id="6" name="그림 5" descr="텍스트이(가) 표시된 사진&#10;&#10;자동 생성된 설명">
+              <a:extLst>
+                <a:ext uri="{FF2B5EF4-FFF2-40B4-BE49-F238E27FC236}">
+                  <a16:creationId xmlns="" xmlns:a16="http://schemas.microsoft.com/office/drawing/2014/main" id="{88DAA0EC-1EE3-4681-C1FD-BBA177791CA0}"/>
+                </a:ext>
+              </a:extLst>
+            </p:cNvPr>
+            <p:cNvPicPr>
+              <a:picLocks noChangeAspect="1"/>
+            </p:cNvPicPr>
+            <p:nvPr/>
+          </p:nvPicPr>
+          <p:blipFill rotWithShape="1">
+            <a:blip r:embed="rId2" cstate="print">
+              <a:extLst>
+                <a:ext uri="{28A0092B-C50C-407E-A947-70E740481C1C}">
+                  <a14:useLocalDpi xmlns:a14="http://schemas.microsoft.com/office/drawing/2010/main" val="0"/>
+                </a:ext>
+              </a:extLst>
+            </a:blip>
+            <a:srcRect l="60174" r="10486"/>
+            <a:stretch/>
+          </p:blipFill>
+          <p:spPr>
+            <a:xfrm>
+              <a:off x="3732734" y="764704"/>
+              <a:ext cx="1076692" cy="1091227"/>
+            </a:xfrm>
+            <a:prstGeom prst="rect">
+              <a:avLst/>
+            </a:prstGeom>
+          </p:spPr>
+        </p:pic>
+      </p:grpSp>
+    </p:spTree>
+    <p:extLst>
+      <p:ext uri="{BB962C8B-B14F-4D97-AF65-F5344CB8AC3E}">
+        <p14:creationId xmlns:p14="http://schemas.microsoft.com/office/powerpoint/2010/main" val="2705242049"/>
       </p:ext>
     </p:extLst>
   </p:cSld>
